--- a/docs/datapath_2.pptx
+++ b/docs/datapath_2.pptx
@@ -259,7 +259,7 @@
           <a:p>
             <a:fld id="{429F0C4B-D1DF-4F49-AAFD-6752E7DCB54E}" type="datetimeFigureOut">
               <a:rPr kumimoji="1" lang="zh-CN" altLang="en-US" smtClean="0"/>
-              <a:t>2021/11/4</a:t>
+              <a:t>2021/11/5</a:t>
             </a:fld>
             <a:endParaRPr kumimoji="1" lang="zh-CN" altLang="en-US"/>
           </a:p>
@@ -457,7 +457,7 @@
           <a:p>
             <a:fld id="{429F0C4B-D1DF-4F49-AAFD-6752E7DCB54E}" type="datetimeFigureOut">
               <a:rPr kumimoji="1" lang="zh-CN" altLang="en-US" smtClean="0"/>
-              <a:t>2021/11/4</a:t>
+              <a:t>2021/11/5</a:t>
             </a:fld>
             <a:endParaRPr kumimoji="1" lang="zh-CN" altLang="en-US"/>
           </a:p>
@@ -665,7 +665,7 @@
           <a:p>
             <a:fld id="{429F0C4B-D1DF-4F49-AAFD-6752E7DCB54E}" type="datetimeFigureOut">
               <a:rPr kumimoji="1" lang="zh-CN" altLang="en-US" smtClean="0"/>
-              <a:t>2021/11/4</a:t>
+              <a:t>2021/11/5</a:t>
             </a:fld>
             <a:endParaRPr kumimoji="1" lang="zh-CN" altLang="en-US"/>
           </a:p>
@@ -863,7 +863,7 @@
           <a:p>
             <a:fld id="{429F0C4B-D1DF-4F49-AAFD-6752E7DCB54E}" type="datetimeFigureOut">
               <a:rPr kumimoji="1" lang="zh-CN" altLang="en-US" smtClean="0"/>
-              <a:t>2021/11/4</a:t>
+              <a:t>2021/11/5</a:t>
             </a:fld>
             <a:endParaRPr kumimoji="1" lang="zh-CN" altLang="en-US"/>
           </a:p>
@@ -1138,7 +1138,7 @@
           <a:p>
             <a:fld id="{429F0C4B-D1DF-4F49-AAFD-6752E7DCB54E}" type="datetimeFigureOut">
               <a:rPr kumimoji="1" lang="zh-CN" altLang="en-US" smtClean="0"/>
-              <a:t>2021/11/4</a:t>
+              <a:t>2021/11/5</a:t>
             </a:fld>
             <a:endParaRPr kumimoji="1" lang="zh-CN" altLang="en-US"/>
           </a:p>
@@ -1403,7 +1403,7 @@
           <a:p>
             <a:fld id="{429F0C4B-D1DF-4F49-AAFD-6752E7DCB54E}" type="datetimeFigureOut">
               <a:rPr kumimoji="1" lang="zh-CN" altLang="en-US" smtClean="0"/>
-              <a:t>2021/11/4</a:t>
+              <a:t>2021/11/5</a:t>
             </a:fld>
             <a:endParaRPr kumimoji="1" lang="zh-CN" altLang="en-US"/>
           </a:p>
@@ -1815,7 +1815,7 @@
           <a:p>
             <a:fld id="{429F0C4B-D1DF-4F49-AAFD-6752E7DCB54E}" type="datetimeFigureOut">
               <a:rPr kumimoji="1" lang="zh-CN" altLang="en-US" smtClean="0"/>
-              <a:t>2021/11/4</a:t>
+              <a:t>2021/11/5</a:t>
             </a:fld>
             <a:endParaRPr kumimoji="1" lang="zh-CN" altLang="en-US"/>
           </a:p>
@@ -1956,7 +1956,7 @@
           <a:p>
             <a:fld id="{429F0C4B-D1DF-4F49-AAFD-6752E7DCB54E}" type="datetimeFigureOut">
               <a:rPr kumimoji="1" lang="zh-CN" altLang="en-US" smtClean="0"/>
-              <a:t>2021/11/4</a:t>
+              <a:t>2021/11/5</a:t>
             </a:fld>
             <a:endParaRPr kumimoji="1" lang="zh-CN" altLang="en-US"/>
           </a:p>
@@ -2069,7 +2069,7 @@
           <a:p>
             <a:fld id="{429F0C4B-D1DF-4F49-AAFD-6752E7DCB54E}" type="datetimeFigureOut">
               <a:rPr kumimoji="1" lang="zh-CN" altLang="en-US" smtClean="0"/>
-              <a:t>2021/11/4</a:t>
+              <a:t>2021/11/5</a:t>
             </a:fld>
             <a:endParaRPr kumimoji="1" lang="zh-CN" altLang="en-US"/>
           </a:p>
@@ -2380,7 +2380,7 @@
           <a:p>
             <a:fld id="{429F0C4B-D1DF-4F49-AAFD-6752E7DCB54E}" type="datetimeFigureOut">
               <a:rPr kumimoji="1" lang="zh-CN" altLang="en-US" smtClean="0"/>
-              <a:t>2021/11/4</a:t>
+              <a:t>2021/11/5</a:t>
             </a:fld>
             <a:endParaRPr kumimoji="1" lang="zh-CN" altLang="en-US"/>
           </a:p>
@@ -2668,7 +2668,7 @@
           <a:p>
             <a:fld id="{429F0C4B-D1DF-4F49-AAFD-6752E7DCB54E}" type="datetimeFigureOut">
               <a:rPr kumimoji="1" lang="zh-CN" altLang="en-US" smtClean="0"/>
-              <a:t>2021/11/4</a:t>
+              <a:t>2021/11/5</a:t>
             </a:fld>
             <a:endParaRPr kumimoji="1" lang="zh-CN" altLang="en-US"/>
           </a:p>
@@ -2909,7 +2909,7 @@
           <a:p>
             <a:fld id="{429F0C4B-D1DF-4F49-AAFD-6752E7DCB54E}" type="datetimeFigureOut">
               <a:rPr kumimoji="1" lang="zh-CN" altLang="en-US" smtClean="0"/>
-              <a:t>2021/11/4</a:t>
+              <a:t>2021/11/5</a:t>
             </a:fld>
             <a:endParaRPr kumimoji="1" lang="zh-CN" altLang="en-US"/>
           </a:p>
@@ -11970,7 +11970,7 @@
         <p:spPr>
           <a:xfrm>
             <a:off x="9147389" y="261116"/>
-            <a:ext cx="0" cy="4959711"/>
+            <a:ext cx="0" cy="6472551"/>
           </a:xfrm>
           <a:prstGeom prst="line">
             <a:avLst/>
@@ -12008,7 +12008,7 @@
         <p:spPr>
           <a:xfrm flipH="1">
             <a:off x="8986090" y="5224907"/>
-            <a:ext cx="168420" cy="0"/>
+            <a:ext cx="161299" cy="0"/>
           </a:xfrm>
           <a:prstGeom prst="line">
             <a:avLst/>
@@ -12445,6 +12445,85 @@
           <a:xfrm>
             <a:off x="4486169" y="440448"/>
             <a:ext cx="139728" cy="648397"/>
+          </a:xfrm>
+          <a:prstGeom prst="straightConnector1">
+            <a:avLst/>
+          </a:prstGeom>
+          <a:ln>
+            <a:tailEnd type="triangle"/>
+          </a:ln>
+        </p:spPr>
+        <p:style>
+          <a:lnRef idx="1">
+            <a:schemeClr val="dk1"/>
+          </a:lnRef>
+          <a:fillRef idx="0">
+            <a:schemeClr val="dk1"/>
+          </a:fillRef>
+          <a:effectRef idx="0">
+            <a:schemeClr val="dk1"/>
+          </a:effectRef>
+          <a:fontRef idx="minor">
+            <a:schemeClr val="tx1"/>
+          </a:fontRef>
+        </p:style>
+      </p:cxnSp>
+      <p:cxnSp>
+        <p:nvCxnSpPr>
+          <p:cNvPr id="236" name="直线连接符 391">
+            <a:extLst>
+              <a:ext uri="{FF2B5EF4-FFF2-40B4-BE49-F238E27FC236}">
+                <a16:creationId xmlns:a16="http://schemas.microsoft.com/office/drawing/2014/main" id="{11E2B6CC-1D21-4073-A3F9-B5E8469F9C8B}"/>
+              </a:ext>
+            </a:extLst>
+          </p:cNvPr>
+          <p:cNvCxnSpPr>
+            <a:cxnSpLocks/>
+          </p:cNvCxnSpPr>
+          <p:nvPr/>
+        </p:nvCxnSpPr>
+        <p:spPr>
+          <a:xfrm flipH="1">
+            <a:off x="598384" y="6733667"/>
+            <a:ext cx="8549005" cy="0"/>
+          </a:xfrm>
+          <a:prstGeom prst="line">
+            <a:avLst/>
+          </a:prstGeom>
+        </p:spPr>
+        <p:style>
+          <a:lnRef idx="1">
+            <a:schemeClr val="dk1"/>
+          </a:lnRef>
+          <a:fillRef idx="0">
+            <a:schemeClr val="dk1"/>
+          </a:fillRef>
+          <a:effectRef idx="0">
+            <a:schemeClr val="dk1"/>
+          </a:effectRef>
+          <a:fontRef idx="minor">
+            <a:schemeClr val="tx1"/>
+          </a:fontRef>
+        </p:style>
+      </p:cxnSp>
+      <p:cxnSp>
+        <p:nvCxnSpPr>
+          <p:cNvPr id="241" name="直线箭头连接符 336">
+            <a:extLst>
+              <a:ext uri="{FF2B5EF4-FFF2-40B4-BE49-F238E27FC236}">
+                <a16:creationId xmlns:a16="http://schemas.microsoft.com/office/drawing/2014/main" id="{E57A94D3-E98B-40F5-90FA-0E4096DAC86D}"/>
+              </a:ext>
+            </a:extLst>
+          </p:cNvPr>
+          <p:cNvCxnSpPr>
+            <a:cxnSpLocks/>
+          </p:cNvCxnSpPr>
+          <p:nvPr/>
+        </p:nvCxnSpPr>
+        <p:spPr>
+          <a:xfrm flipV="1">
+            <a:off x="598384" y="4006922"/>
+            <a:ext cx="0" cy="2726745"/>
           </a:xfrm>
           <a:prstGeom prst="straightConnector1">
             <a:avLst/>
